--- a/classes/so2015/InClassExercise_1.pptx
+++ b/classes/so2015/InClassExercise_1.pptx
@@ -6,6 +6,7 @@
   </p:sldMasterIdLst>
   <p:sldIdLst>
     <p:sldId id="256" r:id="rId2"/>
+    <p:sldId id="257" r:id="rId3"/>
   </p:sldIdLst>
   <p:sldSz cx="9144000" cy="6858000" type="screen4x3"/>
   <p:notesSz cx="6858000" cy="9144000"/>
@@ -3216,13 +3217,7 @@
               <a:rPr lang="en-US" dirty="0" smtClean="0">
                 <a:hlinkClick r:id="rId2"/>
               </a:rPr>
-              <a:t>http://</a:t>
-            </a:r>
-            <a:r>
-              <a:rPr lang="en-US" dirty="0" smtClean="0">
-                <a:hlinkClick r:id="rId2"/>
-              </a:rPr>
-              <a:t>www.sciencemag.org/content/sci/338/6103/120.full.html</a:t>
+              <a:t>http://www.sciencemag.org/content/sci/338/6103/120.full.html</a:t>
             </a:r>
             <a:r>
               <a:rPr lang="en-US" dirty="0" smtClean="0"/>
@@ -3232,16 +3227,98 @@
           <a:p>
             <a:r>
               <a:rPr lang="en-US" dirty="0" smtClean="0"/>
-              <a:t>	</a:t>
-            </a:r>
+              <a:t>	Fig. 3)</a:t>
+            </a:r>
+            <a:endParaRPr lang="en-US" dirty="0"/>
+          </a:p>
+        </p:txBody>
+      </p:sp>
+    </p:spTree>
+  </p:cSld>
+  <p:clrMapOvr>
+    <a:masterClrMapping/>
+  </p:clrMapOvr>
+</p:sld>
+</file>
+
+<file path=ppt/slides/slide2.xml><?xml version="1.0" encoding="utf-8"?>
+<p:sld xmlns:a="http://schemas.openxmlformats.org/drawingml/2006/main" xmlns:r="http://schemas.openxmlformats.org/officeDocument/2006/relationships" xmlns:p="http://schemas.openxmlformats.org/presentationml/2006/main">
+  <p:cSld>
+    <p:spTree>
+      <p:nvGrpSpPr>
+        <p:cNvPr id="1" name=""/>
+        <p:cNvGrpSpPr/>
+        <p:nvPr/>
+      </p:nvGrpSpPr>
+      <p:grpSpPr>
+        <a:xfrm>
+          <a:off x="0" y="0"/>
+          <a:ext cx="0" cy="0"/>
+          <a:chOff x="0" y="0"/>
+          <a:chExt cx="0" cy="0"/>
+        </a:xfrm>
+      </p:grpSpPr>
+      <p:sp>
+        <p:nvSpPr>
+          <p:cNvPr id="5" name="Rectangle 4"/>
+          <p:cNvSpPr/>
+          <p:nvPr/>
+        </p:nvSpPr>
+        <p:spPr>
+          <a:xfrm>
+            <a:off x="304800" y="5715000"/>
+            <a:ext cx="9677400" cy="646331"/>
+          </a:xfrm>
+          <a:prstGeom prst="rect">
+            <a:avLst/>
+          </a:prstGeom>
+        </p:spPr>
+        <p:txBody>
+          <a:bodyPr wrap="square">
+            <a:spAutoFit/>
+          </a:bodyPr>
+          <a:lstStyle/>
+          <a:p>
             <a:r>
               <a:rPr lang="en-US" dirty="0" smtClean="0"/>
-              <a:t>Fig. 3)</a:t>
+              <a:t>http://www.theatlantic.com/health/archive/2015/09/why-it-was-easier-to-be-skinny-in-the-1980s/407974/</a:t>
             </a:r>
             <a:endParaRPr lang="en-US" dirty="0"/>
           </a:p>
         </p:txBody>
       </p:sp>
+      <p:pic>
+        <p:nvPicPr>
+          <p:cNvPr id="1026" name="Picture 2"/>
+          <p:cNvPicPr>
+            <a:picLocks noChangeAspect="1" noChangeArrowheads="1"/>
+          </p:cNvPicPr>
+          <p:nvPr/>
+        </p:nvPicPr>
+        <p:blipFill>
+          <a:blip r:embed="rId2" cstate="print"/>
+          <a:srcRect/>
+          <a:stretch>
+            <a:fillRect/>
+          </a:stretch>
+        </p:blipFill>
+        <p:spPr bwMode="auto">
+          <a:xfrm>
+            <a:off x="838200" y="609600"/>
+            <a:ext cx="7105650" cy="4159250"/>
+          </a:xfrm>
+          <a:prstGeom prst="rect">
+            <a:avLst/>
+          </a:prstGeom>
+          <a:noFill/>
+          <a:ln w="9525">
+            <a:noFill/>
+            <a:miter lim="800000"/>
+            <a:headEnd/>
+            <a:tailEnd/>
+          </a:ln>
+        </p:spPr>
+      </p:pic>
     </p:spTree>
   </p:cSld>
   <p:clrMapOvr>
